--- a/Soutenance_Memoire.pptx
+++ b/Soutenance_Memoire.pptx
@@ -6,10 +6,10 @@
     <p:sldMasterId id="2147483662" r:id="rId2"/>
   </p:sldMasterIdLst>
   <p:notesMasterIdLst>
-    <p:notesMasterId r:id="rId21"/>
+    <p:notesMasterId r:id="rId22"/>
   </p:notesMasterIdLst>
   <p:handoutMasterIdLst>
-    <p:handoutMasterId r:id="rId22"/>
+    <p:handoutMasterId r:id="rId23"/>
   </p:handoutMasterIdLst>
   <p:sldIdLst>
     <p:sldId id="256" r:id="rId3"/>
@@ -27,9 +27,10 @@
     <p:sldId id="291" r:id="rId15"/>
     <p:sldId id="292" r:id="rId16"/>
     <p:sldId id="294" r:id="rId17"/>
-    <p:sldId id="278" r:id="rId18"/>
-    <p:sldId id="293" r:id="rId19"/>
-    <p:sldId id="290" r:id="rId20"/>
+    <p:sldId id="295" r:id="rId18"/>
+    <p:sldId id="278" r:id="rId19"/>
+    <p:sldId id="293" r:id="rId20"/>
+    <p:sldId id="290" r:id="rId21"/>
   </p:sldIdLst>
   <p:sldSz cx="10080625" cy="7559675"/>
   <p:notesSz cx="7559675" cy="10691813"/>
@@ -1381,6 +1382,281 @@
     </p:spTree>
     <p:extLst>
       <p:ext uri="{BB962C8B-B14F-4D97-AF65-F5344CB8AC3E}">
+        <p14:creationId xmlns:p14="http://schemas.microsoft.com/office/powerpoint/2010/main" val="218430764"/>
+      </p:ext>
+    </p:extLst>
+  </p:cSld>
+  <p:clrMapOvr>
+    <a:masterClrMapping/>
+  </p:clrMapOvr>
+</p:notes>
+</file>
+
+<file path=ppt/notesSlides/notesSlide11.xml><?xml version="1.0" encoding="utf-8"?>
+<p:notes xmlns:a="http://schemas.openxmlformats.org/drawingml/2006/main" xmlns:r="http://schemas.openxmlformats.org/officeDocument/2006/relationships" xmlns:p="http://schemas.openxmlformats.org/presentationml/2006/main">
+  <p:cSld>
+    <p:spTree>
+      <p:nvGrpSpPr>
+        <p:cNvPr id="1" name=""/>
+        <p:cNvGrpSpPr/>
+        <p:nvPr/>
+      </p:nvGrpSpPr>
+      <p:grpSpPr>
+        <a:xfrm>
+          <a:off x="0" y="0"/>
+          <a:ext cx="0" cy="0"/>
+          <a:chOff x="0" y="0"/>
+          <a:chExt cx="0" cy="0"/>
+        </a:xfrm>
+      </p:grpSpPr>
+      <p:sp>
+        <p:nvSpPr>
+          <p:cNvPr id="8" name="Espace réservé du pied de page 5">
+            <a:extLst>
+              <a:ext uri="{FF2B5EF4-FFF2-40B4-BE49-F238E27FC236}">
+                <a16:creationId xmlns:a16="http://schemas.microsoft.com/office/drawing/2014/main" id="{72B23852-BB66-4C67-B79E-4DCFA19FA55E}"/>
+              </a:ext>
+            </a:extLst>
+          </p:cNvPr>
+          <p:cNvSpPr txBox="1">
+            <a:spLocks noGrp="1"/>
+          </p:cNvSpPr>
+          <p:nvPr>
+            <p:ph type="ftr" sz="quarter" idx="4"/>
+          </p:nvPr>
+        </p:nvSpPr>
+        <p:spPr>
+          <a:ln/>
+        </p:spPr>
+        <p:txBody>
+          <a:bodyPr wrap="square" lIns="0" tIns="0" rIns="0" bIns="0" anchor="b" anchorCtr="0">
+            <a:noAutofit/>
+          </a:bodyPr>
+          <a:lstStyle/>
+          <a:p>
+            <a:pPr lvl="0"/>
+            <a:r>
+              <a:rPr lang="fr-FR"/>
+              <a:t>Soutenance Rapport de Stage</a:t>
+            </a:r>
+          </a:p>
+        </p:txBody>
+      </p:sp>
+      <p:sp>
+        <p:nvSpPr>
+          <p:cNvPr id="9" name="Espace réservé du numéro de diapositive 6">
+            <a:extLst>
+              <a:ext uri="{FF2B5EF4-FFF2-40B4-BE49-F238E27FC236}">
+                <a16:creationId xmlns:a16="http://schemas.microsoft.com/office/drawing/2014/main" id="{08CACDDB-AC2B-4398-9CBC-9BCCF6A31DBD}"/>
+              </a:ext>
+            </a:extLst>
+          </p:cNvPr>
+          <p:cNvSpPr txBox="1">
+            <a:spLocks noGrp="1"/>
+          </p:cNvSpPr>
+          <p:nvPr>
+            <p:ph type="sldNum" sz="quarter" idx="5"/>
+          </p:nvPr>
+        </p:nvSpPr>
+        <p:spPr>
+          <a:ln/>
+        </p:spPr>
+        <p:txBody>
+          <a:bodyPr wrap="square" lIns="0" tIns="0" rIns="0" bIns="0" anchor="b" anchorCtr="0">
+            <a:noAutofit/>
+          </a:bodyPr>
+          <a:lstStyle/>
+          <a:p>
+            <a:pPr lvl="0"/>
+            <a:fld id="{CC8C0440-9F7C-47CA-9285-76D521013673}" type="slidenum">
+              <a:t>19</a:t>
+            </a:fld>
+            <a:endParaRPr lang="fr-FR"/>
+          </a:p>
+        </p:txBody>
+      </p:sp>
+      <p:sp>
+        <p:nvSpPr>
+          <p:cNvPr id="2" name="Espace réservé de l'image des diapositives 1">
+            <a:extLst>
+              <a:ext uri="{FF2B5EF4-FFF2-40B4-BE49-F238E27FC236}">
+                <a16:creationId xmlns:a16="http://schemas.microsoft.com/office/drawing/2014/main" id="{BCE959C6-1D4F-48A5-AECD-AB4D38968DDF}"/>
+              </a:ext>
+            </a:extLst>
+          </p:cNvPr>
+          <p:cNvSpPr>
+            <a:spLocks noGrp="1" noRot="1" noChangeAspect="1" noResize="1"/>
+          </p:cNvSpPr>
+          <p:nvPr>
+            <p:ph type="sldImg"/>
+          </p:nvPr>
+        </p:nvSpPr>
+        <p:spPr>
+          <a:xfrm>
+            <a:off x="1106488" y="812800"/>
+            <a:ext cx="5345112" cy="4008438"/>
+          </a:xfrm>
+          <a:solidFill>
+            <a:srgbClr val="4F81BD"/>
+          </a:solidFill>
+          <a:ln w="25560">
+            <a:solidFill>
+              <a:srgbClr val="385D8A"/>
+            </a:solidFill>
+            <a:prstDash val="solid"/>
+          </a:ln>
+        </p:spPr>
+      </p:sp>
+      <p:sp>
+        <p:nvSpPr>
+          <p:cNvPr id="3" name="Espace réservé des commentaires 2">
+            <a:extLst>
+              <a:ext uri="{FF2B5EF4-FFF2-40B4-BE49-F238E27FC236}">
+                <a16:creationId xmlns:a16="http://schemas.microsoft.com/office/drawing/2014/main" id="{FE561C91-DFEC-4908-9D17-BFAF2C25F597}"/>
+              </a:ext>
+            </a:extLst>
+          </p:cNvPr>
+          <p:cNvSpPr txBox="1">
+            <a:spLocks noGrp="1"/>
+          </p:cNvSpPr>
+          <p:nvPr>
+            <p:ph type="body" sz="quarter" idx="1"/>
+          </p:nvPr>
+        </p:nvSpPr>
+        <p:spPr/>
+        <p:txBody>
+          <a:bodyPr/>
+          <a:lstStyle/>
+          <a:p>
+            <a:endParaRPr lang="fr-FR"/>
+          </a:p>
+        </p:txBody>
+      </p:sp>
+      <p:sp>
+        <p:nvSpPr>
+          <p:cNvPr id="4" name="Espace réservé du pied de page 3">
+            <a:extLst>
+              <a:ext uri="{FF2B5EF4-FFF2-40B4-BE49-F238E27FC236}">
+                <a16:creationId xmlns:a16="http://schemas.microsoft.com/office/drawing/2014/main" id="{E6F4D645-CD3C-43B5-81C2-4E31B9016421}"/>
+              </a:ext>
+            </a:extLst>
+          </p:cNvPr>
+          <p:cNvSpPr txBox="1"/>
+          <p:nvPr/>
+        </p:nvSpPr>
+        <p:spPr>
+          <a:xfrm>
+            <a:off x="0" y="10157400"/>
+            <a:ext cx="3280680" cy="534240"/>
+          </a:xfrm>
+          <a:prstGeom prst="rect">
+            <a:avLst/>
+          </a:prstGeom>
+          <a:noFill/>
+          <a:ln>
+            <a:noFill/>
+          </a:ln>
+        </p:spPr>
+        <p:txBody>
+          <a:bodyPr vert="horz" wrap="square" lIns="0" tIns="0" rIns="0" bIns="0" anchor="b" anchorCtr="0" compatLnSpc="0">
+            <a:noAutofit/>
+          </a:bodyPr>
+          <a:lstStyle/>
+          <a:p>
+            <a:pPr marL="0" marR="0" lvl="0" indent="0" algn="l" rtl="0" hangingPunct="0">
+              <a:lnSpc>
+                <a:spcPct val="100000"/>
+              </a:lnSpc>
+              <a:spcBef>
+                <a:spcPts val="0"/>
+              </a:spcBef>
+              <a:spcAft>
+                <a:spcPts val="0"/>
+              </a:spcAft>
+              <a:buNone/>
+              <a:tabLst/>
+            </a:pPr>
+            <a:r>
+              <a:rPr lang="fr-FR" sz="2400" b="0" i="0" u="none" strike="noStrike" kern="1200" spc="0" baseline="0">
+                <a:ln>
+                  <a:noFill/>
+                </a:ln>
+                <a:solidFill>
+                  <a:srgbClr val="000000"/>
+                </a:solidFill>
+                <a:latin typeface="Liberation Serif" pitchFamily="18"/>
+                <a:ea typeface="Segoe UI" pitchFamily="2"/>
+                <a:cs typeface="Tahoma" pitchFamily="2"/>
+              </a:rPr>
+              <a:t>Soutenance Rapport de Stage</a:t>
+            </a:r>
+          </a:p>
+        </p:txBody>
+      </p:sp>
+      <p:sp>
+        <p:nvSpPr>
+          <p:cNvPr id="5" name="Espace réservé du pied de page 4">
+            <a:extLst>
+              <a:ext uri="{FF2B5EF4-FFF2-40B4-BE49-F238E27FC236}">
+                <a16:creationId xmlns:a16="http://schemas.microsoft.com/office/drawing/2014/main" id="{DB8A9280-321C-4173-A5B4-DECBBF7CA8CA}"/>
+              </a:ext>
+            </a:extLst>
+          </p:cNvPr>
+          <p:cNvSpPr txBox="1"/>
+          <p:nvPr/>
+        </p:nvSpPr>
+        <p:spPr>
+          <a:xfrm>
+            <a:off x="0" y="10157400"/>
+            <a:ext cx="3280680" cy="534240"/>
+          </a:xfrm>
+          <a:prstGeom prst="rect">
+            <a:avLst/>
+          </a:prstGeom>
+          <a:noFill/>
+          <a:ln>
+            <a:noFill/>
+          </a:ln>
+        </p:spPr>
+        <p:txBody>
+          <a:bodyPr vert="horz" wrap="square" lIns="0" tIns="0" rIns="0" bIns="0" anchor="b" anchorCtr="0" compatLnSpc="0">
+            <a:noAutofit/>
+          </a:bodyPr>
+          <a:lstStyle/>
+          <a:p>
+            <a:pPr marL="0" marR="0" lvl="0" indent="0" algn="l" rtl="0" hangingPunct="0">
+              <a:lnSpc>
+                <a:spcPct val="100000"/>
+              </a:lnSpc>
+              <a:spcBef>
+                <a:spcPts val="0"/>
+              </a:spcBef>
+              <a:spcAft>
+                <a:spcPts val="0"/>
+              </a:spcAft>
+              <a:buNone/>
+              <a:tabLst/>
+            </a:pPr>
+            <a:r>
+              <a:rPr lang="fr-FR" sz="2400" b="0" i="0" u="none" strike="noStrike" kern="1200" spc="0" baseline="0">
+                <a:ln>
+                  <a:noFill/>
+                </a:ln>
+                <a:solidFill>
+                  <a:srgbClr val="000000"/>
+                </a:solidFill>
+                <a:latin typeface="Liberation Serif" pitchFamily="18"/>
+                <a:ea typeface="Segoe UI" pitchFamily="2"/>
+                <a:cs typeface="Tahoma" pitchFamily="2"/>
+              </a:rPr>
+              <a:t>Soutenance Rapport de Stage</a:t>
+            </a:r>
+          </a:p>
+        </p:txBody>
+      </p:sp>
+    </p:spTree>
+    <p:extLst>
+      <p:ext uri="{BB962C8B-B14F-4D97-AF65-F5344CB8AC3E}">
         <p14:creationId xmlns:p14="http://schemas.microsoft.com/office/powerpoint/2010/main" val="2638216434"/>
       </p:ext>
     </p:extLst>
@@ -2130,81 +2406,9 @@
       </p:grpSpPr>
       <p:sp>
         <p:nvSpPr>
-          <p:cNvPr id="8" name="Espace réservé du pied de page 5">
-            <a:extLst>
-              <a:ext uri="{FF2B5EF4-FFF2-40B4-BE49-F238E27FC236}">
-                <a16:creationId xmlns:a16="http://schemas.microsoft.com/office/drawing/2014/main" id="{72B23852-BB66-4C67-B79E-4DCFA19FA55E}"/>
-              </a:ext>
-            </a:extLst>
-          </p:cNvPr>
-          <p:cNvSpPr txBox="1">
-            <a:spLocks noGrp="1"/>
-          </p:cNvSpPr>
-          <p:nvPr>
-            <p:ph type="ftr" sz="quarter" idx="4"/>
-          </p:nvPr>
-        </p:nvSpPr>
-        <p:spPr>
-          <a:ln/>
-        </p:spPr>
-        <p:txBody>
-          <a:bodyPr wrap="square" lIns="0" tIns="0" rIns="0" bIns="0" anchor="b" anchorCtr="0">
-            <a:noAutofit/>
-          </a:bodyPr>
-          <a:lstStyle/>
-          <a:p>
-            <a:pPr lvl="0"/>
-            <a:r>
-              <a:rPr lang="fr-FR"/>
-              <a:t>Soutenance Rapport de Stage</a:t>
-            </a:r>
-          </a:p>
-        </p:txBody>
-      </p:sp>
-      <p:sp>
-        <p:nvSpPr>
-          <p:cNvPr id="9" name="Espace réservé du numéro de diapositive 6">
-            <a:extLst>
-              <a:ext uri="{FF2B5EF4-FFF2-40B4-BE49-F238E27FC236}">
-                <a16:creationId xmlns:a16="http://schemas.microsoft.com/office/drawing/2014/main" id="{08CACDDB-AC2B-4398-9CBC-9BCCF6A31DBD}"/>
-              </a:ext>
-            </a:extLst>
-          </p:cNvPr>
-          <p:cNvSpPr txBox="1">
-            <a:spLocks noGrp="1"/>
-          </p:cNvSpPr>
-          <p:nvPr>
-            <p:ph type="sldNum" sz="quarter" idx="5"/>
-          </p:nvPr>
-        </p:nvSpPr>
-        <p:spPr>
-          <a:ln/>
-        </p:spPr>
-        <p:txBody>
-          <a:bodyPr wrap="square" lIns="0" tIns="0" rIns="0" bIns="0" anchor="b" anchorCtr="0">
-            <a:noAutofit/>
-          </a:bodyPr>
-          <a:lstStyle/>
-          <a:p>
-            <a:pPr lvl="0"/>
-            <a:fld id="{CC8C0440-9F7C-47CA-9285-76D521013673}" type="slidenum">
-              <a:t>16</a:t>
-            </a:fld>
-            <a:endParaRPr lang="fr-FR"/>
-          </a:p>
-        </p:txBody>
-      </p:sp>
-      <p:sp>
-        <p:nvSpPr>
-          <p:cNvPr id="2" name="Espace réservé de l'image des diapositives 1">
-            <a:extLst>
-              <a:ext uri="{FF2B5EF4-FFF2-40B4-BE49-F238E27FC236}">
-                <a16:creationId xmlns:a16="http://schemas.microsoft.com/office/drawing/2014/main" id="{BCE959C6-1D4F-48A5-AECD-AB4D38968DDF}"/>
-              </a:ext>
-            </a:extLst>
-          </p:cNvPr>
+          <p:cNvPr id="2" name="Espace réservé de l'image des diapositives 1"/>
           <p:cNvSpPr>
-            <a:spLocks noGrp="1" noRot="1" noChangeAspect="1" noResize="1"/>
+            <a:spLocks noGrp="1" noRot="1" noChangeAspect="1"/>
           </p:cNvSpPr>
           <p:nvPr>
             <p:ph type="sldImg"/>
@@ -2215,31 +2419,16 @@
             <a:off x="1106488" y="812800"/>
             <a:ext cx="5345112" cy="4008438"/>
           </a:xfrm>
-          <a:solidFill>
-            <a:srgbClr val="4F81BD"/>
-          </a:solidFill>
-          <a:ln w="25560">
-            <a:solidFill>
-              <a:srgbClr val="385D8A"/>
-            </a:solidFill>
-            <a:prstDash val="solid"/>
-          </a:ln>
         </p:spPr>
       </p:sp>
       <p:sp>
         <p:nvSpPr>
-          <p:cNvPr id="3" name="Espace réservé des commentaires 2">
-            <a:extLst>
-              <a:ext uri="{FF2B5EF4-FFF2-40B4-BE49-F238E27FC236}">
-                <a16:creationId xmlns:a16="http://schemas.microsoft.com/office/drawing/2014/main" id="{FE561C91-DFEC-4908-9D17-BFAF2C25F597}"/>
-              </a:ext>
-            </a:extLst>
-          </p:cNvPr>
-          <p:cNvSpPr txBox="1">
-            <a:spLocks noGrp="1"/>
-          </p:cNvSpPr>
-          <p:nvPr>
-            <p:ph type="body" sz="quarter" idx="1"/>
+          <p:cNvPr id="3" name="Espace réservé des notes 2"/>
+          <p:cNvSpPr>
+            <a:spLocks noGrp="1"/>
+          </p:cNvSpPr>
+          <p:nvPr>
+            <p:ph type="body" idx="1"/>
           </p:nvPr>
         </p:nvSpPr>
         <p:spPr/>
@@ -2247,133 +2436,40 @@
           <a:bodyPr/>
           <a:lstStyle/>
           <a:p>
+            <a:endParaRPr lang="fr-FR" dirty="0"/>
+          </a:p>
+        </p:txBody>
+      </p:sp>
+      <p:sp>
+        <p:nvSpPr>
+          <p:cNvPr id="4" name="Espace réservé du numéro de diapositive 3"/>
+          <p:cNvSpPr>
+            <a:spLocks noGrp="1"/>
+          </p:cNvSpPr>
+          <p:nvPr>
+            <p:ph type="sldNum" sz="quarter" idx="5"/>
+          </p:nvPr>
+        </p:nvSpPr>
+        <p:spPr/>
+        <p:txBody>
+          <a:bodyPr/>
+          <a:lstStyle/>
+          <a:p>
+            <a:pPr lvl="0"/>
+            <a:fld id="{5F184892-3FB4-4652-8FA5-93F159D0CC47}" type="slidenum">
+              <a:rPr lang="fr-FR" smtClean="0"/>
+              <a:t>16</a:t>
+            </a:fld>
             <a:endParaRPr lang="fr-FR"/>
           </a:p>
         </p:txBody>
       </p:sp>
-      <p:sp>
-        <p:nvSpPr>
-          <p:cNvPr id="4" name="Espace réservé du pied de page 3">
-            <a:extLst>
-              <a:ext uri="{FF2B5EF4-FFF2-40B4-BE49-F238E27FC236}">
-                <a16:creationId xmlns:a16="http://schemas.microsoft.com/office/drawing/2014/main" id="{E6F4D645-CD3C-43B5-81C2-4E31B9016421}"/>
-              </a:ext>
-            </a:extLst>
-          </p:cNvPr>
-          <p:cNvSpPr txBox="1"/>
-          <p:nvPr/>
-        </p:nvSpPr>
-        <p:spPr>
-          <a:xfrm>
-            <a:off x="0" y="10157400"/>
-            <a:ext cx="3280680" cy="534240"/>
-          </a:xfrm>
-          <a:prstGeom prst="rect">
-            <a:avLst/>
-          </a:prstGeom>
-          <a:noFill/>
-          <a:ln>
-            <a:noFill/>
-          </a:ln>
-        </p:spPr>
-        <p:txBody>
-          <a:bodyPr vert="horz" wrap="square" lIns="0" tIns="0" rIns="0" bIns="0" anchor="b" anchorCtr="0" compatLnSpc="0">
-            <a:noAutofit/>
-          </a:bodyPr>
-          <a:lstStyle/>
-          <a:p>
-            <a:pPr marL="0" marR="0" lvl="0" indent="0" algn="l" rtl="0" hangingPunct="0">
-              <a:lnSpc>
-                <a:spcPct val="100000"/>
-              </a:lnSpc>
-              <a:spcBef>
-                <a:spcPts val="0"/>
-              </a:spcBef>
-              <a:spcAft>
-                <a:spcPts val="0"/>
-              </a:spcAft>
-              <a:buNone/>
-              <a:tabLst/>
-            </a:pPr>
-            <a:r>
-              <a:rPr lang="fr-FR" sz="2400" b="0" i="0" u="none" strike="noStrike" kern="1200" spc="0" baseline="0">
-                <a:ln>
-                  <a:noFill/>
-                </a:ln>
-                <a:solidFill>
-                  <a:srgbClr val="000000"/>
-                </a:solidFill>
-                <a:latin typeface="Liberation Serif" pitchFamily="18"/>
-                <a:ea typeface="Segoe UI" pitchFamily="2"/>
-                <a:cs typeface="Tahoma" pitchFamily="2"/>
-              </a:rPr>
-              <a:t>Soutenance Rapport de Stage</a:t>
-            </a:r>
-          </a:p>
-        </p:txBody>
-      </p:sp>
-      <p:sp>
-        <p:nvSpPr>
-          <p:cNvPr id="5" name="Espace réservé du pied de page 4">
-            <a:extLst>
-              <a:ext uri="{FF2B5EF4-FFF2-40B4-BE49-F238E27FC236}">
-                <a16:creationId xmlns:a16="http://schemas.microsoft.com/office/drawing/2014/main" id="{DB8A9280-321C-4173-A5B4-DECBBF7CA8CA}"/>
-              </a:ext>
-            </a:extLst>
-          </p:cNvPr>
-          <p:cNvSpPr txBox="1"/>
-          <p:nvPr/>
-        </p:nvSpPr>
-        <p:spPr>
-          <a:xfrm>
-            <a:off x="0" y="10157400"/>
-            <a:ext cx="3280680" cy="534240"/>
-          </a:xfrm>
-          <a:prstGeom prst="rect">
-            <a:avLst/>
-          </a:prstGeom>
-          <a:noFill/>
-          <a:ln>
-            <a:noFill/>
-          </a:ln>
-        </p:spPr>
-        <p:txBody>
-          <a:bodyPr vert="horz" wrap="square" lIns="0" tIns="0" rIns="0" bIns="0" anchor="b" anchorCtr="0" compatLnSpc="0">
-            <a:noAutofit/>
-          </a:bodyPr>
-          <a:lstStyle/>
-          <a:p>
-            <a:pPr marL="0" marR="0" lvl="0" indent="0" algn="l" rtl="0" hangingPunct="0">
-              <a:lnSpc>
-                <a:spcPct val="100000"/>
-              </a:lnSpc>
-              <a:spcBef>
-                <a:spcPts val="0"/>
-              </a:spcBef>
-              <a:spcAft>
-                <a:spcPts val="0"/>
-              </a:spcAft>
-              <a:buNone/>
-              <a:tabLst/>
-            </a:pPr>
-            <a:r>
-              <a:rPr lang="fr-FR" sz="2400" b="0" i="0" u="none" strike="noStrike" kern="1200" spc="0" baseline="0">
-                <a:ln>
-                  <a:noFill/>
-                </a:ln>
-                <a:solidFill>
-                  <a:srgbClr val="000000"/>
-                </a:solidFill>
-                <a:latin typeface="Liberation Serif" pitchFamily="18"/>
-                <a:ea typeface="Segoe UI" pitchFamily="2"/>
-                <a:cs typeface="Tahoma" pitchFamily="2"/>
-              </a:rPr>
-              <a:t>Soutenance Rapport de Stage</a:t>
-            </a:r>
-          </a:p>
-        </p:txBody>
-      </p:sp>
     </p:spTree>
+    <p:extLst>
+      <p:ext uri="{BB962C8B-B14F-4D97-AF65-F5344CB8AC3E}">
+        <p14:creationId xmlns:p14="http://schemas.microsoft.com/office/powerpoint/2010/main" val="3160539882"/>
+      </p:ext>
+    </p:extLst>
   </p:cSld>
   <p:clrMapOvr>
     <a:masterClrMapping/>
@@ -2644,11 +2740,6 @@
         </p:txBody>
       </p:sp>
     </p:spTree>
-    <p:extLst>
-      <p:ext uri="{BB962C8B-B14F-4D97-AF65-F5344CB8AC3E}">
-        <p14:creationId xmlns:p14="http://schemas.microsoft.com/office/powerpoint/2010/main" val="218430764"/>
-      </p:ext>
-    </p:extLst>
   </p:cSld>
   <p:clrMapOvr>
     <a:masterClrMapping/>
@@ -14206,6 +14297,583 @@
 
 <file path=ppt/slides/slide16.xml><?xml version="1.0" encoding="utf-8"?>
 <p:sld xmlns:a="http://schemas.openxmlformats.org/drawingml/2006/main" xmlns:r="http://schemas.openxmlformats.org/officeDocument/2006/relationships" xmlns:p="http://schemas.openxmlformats.org/presentationml/2006/main">
+  <p:cSld>
+    <p:spTree>
+      <p:nvGrpSpPr>
+        <p:cNvPr id="1" name=""/>
+        <p:cNvGrpSpPr/>
+        <p:nvPr/>
+      </p:nvGrpSpPr>
+      <p:grpSpPr>
+        <a:xfrm>
+          <a:off x="0" y="0"/>
+          <a:ext cx="0" cy="0"/>
+          <a:chOff x="0" y="0"/>
+          <a:chExt cx="0" cy="0"/>
+        </a:xfrm>
+      </p:grpSpPr>
+      <p:sp>
+        <p:nvSpPr>
+          <p:cNvPr id="2" name="Titre 1">
+            <a:extLst>
+              <a:ext uri="{FF2B5EF4-FFF2-40B4-BE49-F238E27FC236}">
+                <a16:creationId xmlns:a16="http://schemas.microsoft.com/office/drawing/2014/main" id="{12CFB698-16D5-484D-B9A9-B81A777443BA}"/>
+              </a:ext>
+            </a:extLst>
+          </p:cNvPr>
+          <p:cNvSpPr>
+            <a:spLocks noGrp="1"/>
+          </p:cNvSpPr>
+          <p:nvPr>
+            <p:ph type="title" idx="4294967295"/>
+          </p:nvPr>
+        </p:nvSpPr>
+        <p:spPr>
+          <a:xfrm>
+            <a:off x="503952" y="325628"/>
+            <a:ext cx="9072720" cy="856716"/>
+          </a:xfrm>
+        </p:spPr>
+        <p:txBody>
+          <a:bodyPr/>
+          <a:lstStyle/>
+          <a:p>
+            <a:pPr algn="ctr">
+              <a:buNone/>
+            </a:pPr>
+            <a:r>
+              <a:rPr lang="fr-FR" sz="4400" dirty="0">
+                <a:solidFill>
+                  <a:srgbClr val="FF0000"/>
+                </a:solidFill>
+                <a:latin typeface="+mn-lt"/>
+              </a:rPr>
+              <a:t>Algorithme proposé</a:t>
+            </a:r>
+            <a:endParaRPr lang="fr-FR" sz="4400" dirty="0">
+              <a:solidFill>
+                <a:srgbClr val="FF0000"/>
+              </a:solidFill>
+              <a:latin typeface="+mn-lt"/>
+              <a:ea typeface="Liberation Sans" panose="020B0604020202020204" pitchFamily="34" charset="0"/>
+              <a:cs typeface="Liberation Sans" panose="020B0604020202020204" pitchFamily="34" charset="0"/>
+            </a:endParaRPr>
+          </a:p>
+        </p:txBody>
+      </p:sp>
+      <p:sp>
+        <p:nvSpPr>
+          <p:cNvPr id="13" name="Espace réservé du pied de page 12">
+            <a:extLst>
+              <a:ext uri="{FF2B5EF4-FFF2-40B4-BE49-F238E27FC236}">
+                <a16:creationId xmlns:a16="http://schemas.microsoft.com/office/drawing/2014/main" id="{F05EFA4A-CE6C-4527-ABD5-A50B1697AB0C}"/>
+              </a:ext>
+            </a:extLst>
+          </p:cNvPr>
+          <p:cNvSpPr>
+            <a:spLocks noGrp="1"/>
+          </p:cNvSpPr>
+          <p:nvPr>
+            <p:ph type="ftr" sz="quarter" idx="9"/>
+          </p:nvPr>
+        </p:nvSpPr>
+        <p:spPr/>
+        <p:txBody>
+          <a:bodyPr/>
+          <a:lstStyle/>
+          <a:p>
+            <a:pPr lvl="0"/>
+            <a:r>
+              <a:rPr lang="fr-FR"/>
+              <a:t>Soutenance de mémoire</a:t>
+            </a:r>
+          </a:p>
+        </p:txBody>
+      </p:sp>
+      <p:sp>
+        <p:nvSpPr>
+          <p:cNvPr id="14" name="Espace réservé du numéro de diapositive 13">
+            <a:extLst>
+              <a:ext uri="{FF2B5EF4-FFF2-40B4-BE49-F238E27FC236}">
+                <a16:creationId xmlns:a16="http://schemas.microsoft.com/office/drawing/2014/main" id="{BB077292-89D4-43FE-AB17-6AE5875DD79B}"/>
+              </a:ext>
+            </a:extLst>
+          </p:cNvPr>
+          <p:cNvSpPr>
+            <a:spLocks noGrp="1"/>
+          </p:cNvSpPr>
+          <p:nvPr>
+            <p:ph type="sldNum" sz="quarter" idx="8"/>
+          </p:nvPr>
+        </p:nvSpPr>
+        <p:spPr/>
+        <p:txBody>
+          <a:bodyPr/>
+          <a:lstStyle/>
+          <a:p>
+            <a:pPr lvl="0"/>
+            <a:fld id="{3E33ACB7-9E92-4C62-B22A-0F30A7594E5C}" type="slidenum">
+              <a:rPr lang="fr-FR" smtClean="0"/>
+              <a:t>16</a:t>
+            </a:fld>
+            <a:endParaRPr lang="fr-FR"/>
+          </a:p>
+        </p:txBody>
+      </p:sp>
+      <p:sp>
+        <p:nvSpPr>
+          <p:cNvPr id="11" name="Espace réservé du texte 2">
+            <a:extLst>
+              <a:ext uri="{FF2B5EF4-FFF2-40B4-BE49-F238E27FC236}">
+                <a16:creationId xmlns:a16="http://schemas.microsoft.com/office/drawing/2014/main" id="{0DE84D5F-B548-42C5-A0BC-442D7C112B37}"/>
+              </a:ext>
+            </a:extLst>
+          </p:cNvPr>
+          <p:cNvSpPr txBox="1">
+            <a:spLocks/>
+          </p:cNvSpPr>
+          <p:nvPr/>
+        </p:nvSpPr>
+        <p:spPr>
+          <a:xfrm>
+            <a:off x="503999" y="1888982"/>
+            <a:ext cx="9072000" cy="3994983"/>
+          </a:xfrm>
+          <a:prstGeom prst="rect">
+            <a:avLst/>
+          </a:prstGeom>
+          <a:noFill/>
+          <a:ln>
+            <a:noFill/>
+          </a:ln>
+        </p:spPr>
+        <p:txBody>
+          <a:bodyPr wrap="square" lIns="100800" tIns="50400" rIns="100800" bIns="50400" anchor="t" anchorCtr="0">
+            <a:noAutofit/>
+          </a:bodyPr>
+          <a:lstStyle>
+            <a:lvl1pPr marL="432000" marR="0" lvl="0" indent="-324000" algn="l" rtl="0" hangingPunct="1">
+              <a:lnSpc>
+                <a:spcPct val="100000"/>
+              </a:lnSpc>
+              <a:spcBef>
+                <a:spcPts val="1414"/>
+              </a:spcBef>
+              <a:spcAft>
+                <a:spcPts val="0"/>
+              </a:spcAft>
+              <a:buSzPct val="45000"/>
+              <a:buFont typeface="StarSymbol"/>
+              <a:buChar char="●"/>
+              <a:tabLst/>
+              <a:defRPr lang="fr-FR" sz="3200" b="0" i="0" u="none" strike="noStrike" kern="1200" spc="0" baseline="0">
+                <a:ln>
+                  <a:noFill/>
+                </a:ln>
+                <a:solidFill>
+                  <a:srgbClr val="000000"/>
+                </a:solidFill>
+                <a:latin typeface="Liberation Sans" pitchFamily="18"/>
+                <a:ea typeface="Microsoft YaHei" pitchFamily="2"/>
+                <a:cs typeface="Lucida Sans" pitchFamily="2"/>
+              </a:defRPr>
+            </a:lvl1pPr>
+            <a:lvl2pPr marL="864000" marR="0" lvl="1" indent="-324000" algn="l" rtl="0" hangingPunct="1">
+              <a:lnSpc>
+                <a:spcPct val="100000"/>
+              </a:lnSpc>
+              <a:spcBef>
+                <a:spcPts val="1134"/>
+              </a:spcBef>
+              <a:spcAft>
+                <a:spcPts val="0"/>
+              </a:spcAft>
+              <a:buSzPct val="75000"/>
+              <a:buFont typeface="StarSymbol"/>
+              <a:buChar char="–"/>
+              <a:tabLst/>
+              <a:defRPr lang="fr-FR" sz="2800" b="0" i="0" u="none" strike="noStrike" kern="1200" spc="0" baseline="0">
+                <a:ln>
+                  <a:noFill/>
+                </a:ln>
+                <a:solidFill>
+                  <a:srgbClr val="000000"/>
+                </a:solidFill>
+                <a:latin typeface="Liberation Sans" pitchFamily="18"/>
+                <a:ea typeface="Microsoft YaHei" pitchFamily="2"/>
+                <a:cs typeface="Lucida Sans" pitchFamily="2"/>
+              </a:defRPr>
+            </a:lvl2pPr>
+            <a:lvl3pPr marL="1296000" marR="0" lvl="2" indent="-288000" algn="l" rtl="0" hangingPunct="1">
+              <a:lnSpc>
+                <a:spcPct val="100000"/>
+              </a:lnSpc>
+              <a:spcBef>
+                <a:spcPts val="850"/>
+              </a:spcBef>
+              <a:spcAft>
+                <a:spcPts val="0"/>
+              </a:spcAft>
+              <a:buSzPct val="45000"/>
+              <a:buFont typeface="StarSymbol"/>
+              <a:buChar char="●"/>
+              <a:tabLst/>
+              <a:defRPr lang="fr-FR" sz="2400" b="0" i="0" u="none" strike="noStrike" kern="1200" spc="0" baseline="0">
+                <a:ln>
+                  <a:noFill/>
+                </a:ln>
+                <a:solidFill>
+                  <a:srgbClr val="000000"/>
+                </a:solidFill>
+                <a:latin typeface="Liberation Sans" pitchFamily="18"/>
+                <a:ea typeface="Microsoft YaHei" pitchFamily="2"/>
+                <a:cs typeface="Lucida Sans" pitchFamily="2"/>
+              </a:defRPr>
+            </a:lvl3pPr>
+            <a:lvl4pPr marL="1728000" marR="0" lvl="3" indent="-216000" algn="l" rtl="0" hangingPunct="1">
+              <a:lnSpc>
+                <a:spcPct val="100000"/>
+              </a:lnSpc>
+              <a:spcBef>
+                <a:spcPts val="564"/>
+              </a:spcBef>
+              <a:spcAft>
+                <a:spcPts val="0"/>
+              </a:spcAft>
+              <a:buSzPct val="75000"/>
+              <a:buFont typeface="StarSymbol"/>
+              <a:buChar char="–"/>
+              <a:tabLst/>
+              <a:defRPr lang="fr-FR" sz="2000" b="0" i="0" u="none" strike="noStrike" kern="1200" spc="0" baseline="0">
+                <a:ln>
+                  <a:noFill/>
+                </a:ln>
+                <a:solidFill>
+                  <a:srgbClr val="000000"/>
+                </a:solidFill>
+                <a:latin typeface="Liberation Sans" pitchFamily="18"/>
+                <a:ea typeface="Microsoft YaHei" pitchFamily="2"/>
+                <a:cs typeface="Lucida Sans" pitchFamily="2"/>
+              </a:defRPr>
+            </a:lvl4pPr>
+            <a:lvl5pPr marL="2160000" marR="0" lvl="4" indent="-216000" algn="l" rtl="0" hangingPunct="1">
+              <a:lnSpc>
+                <a:spcPct val="100000"/>
+              </a:lnSpc>
+              <a:spcBef>
+                <a:spcPts val="286"/>
+              </a:spcBef>
+              <a:spcAft>
+                <a:spcPts val="0"/>
+              </a:spcAft>
+              <a:buSzPct val="45000"/>
+              <a:buFont typeface="StarSymbol"/>
+              <a:buChar char="●"/>
+              <a:tabLst/>
+              <a:defRPr lang="fr-FR" sz="2000" b="0" i="0" u="none" strike="noStrike" kern="1200" spc="0" baseline="0">
+                <a:ln>
+                  <a:noFill/>
+                </a:ln>
+                <a:solidFill>
+                  <a:srgbClr val="000000"/>
+                </a:solidFill>
+                <a:latin typeface="Liberation Sans" pitchFamily="18"/>
+                <a:ea typeface="Microsoft YaHei" pitchFamily="2"/>
+                <a:cs typeface="Lucida Sans" pitchFamily="2"/>
+              </a:defRPr>
+            </a:lvl5pPr>
+            <a:lvl6pPr marL="2514600" indent="-228600" algn="l" defTabSz="914400" rtl="0" eaLnBrk="1" latinLnBrk="0" hangingPunct="1">
+              <a:lnSpc>
+                <a:spcPct val="90000"/>
+              </a:lnSpc>
+              <a:spcBef>
+                <a:spcPts val="500"/>
+              </a:spcBef>
+              <a:buFont typeface="Arial" panose="020B0604020202020204" pitchFamily="34" charset="0"/>
+              <a:buChar char="•"/>
+              <a:defRPr sz="1800" kern="1200">
+                <a:solidFill>
+                  <a:schemeClr val="tx1"/>
+                </a:solidFill>
+                <a:latin typeface="+mn-lt"/>
+                <a:ea typeface="+mn-ea"/>
+                <a:cs typeface="+mn-cs"/>
+              </a:defRPr>
+            </a:lvl6pPr>
+            <a:lvl7pPr marL="2971800" indent="-228600" algn="l" defTabSz="914400" rtl="0" eaLnBrk="1" latinLnBrk="0" hangingPunct="1">
+              <a:lnSpc>
+                <a:spcPct val="90000"/>
+              </a:lnSpc>
+              <a:spcBef>
+                <a:spcPts val="500"/>
+              </a:spcBef>
+              <a:buFont typeface="Arial" panose="020B0604020202020204" pitchFamily="34" charset="0"/>
+              <a:buChar char="•"/>
+              <a:defRPr sz="1800" kern="1200">
+                <a:solidFill>
+                  <a:schemeClr val="tx1"/>
+                </a:solidFill>
+                <a:latin typeface="+mn-lt"/>
+                <a:ea typeface="+mn-ea"/>
+                <a:cs typeface="+mn-cs"/>
+              </a:defRPr>
+            </a:lvl7pPr>
+            <a:lvl8pPr marL="3429000" indent="-228600" algn="l" defTabSz="914400" rtl="0" eaLnBrk="1" latinLnBrk="0" hangingPunct="1">
+              <a:lnSpc>
+                <a:spcPct val="90000"/>
+              </a:lnSpc>
+              <a:spcBef>
+                <a:spcPts val="500"/>
+              </a:spcBef>
+              <a:buFont typeface="Arial" panose="020B0604020202020204" pitchFamily="34" charset="0"/>
+              <a:buChar char="•"/>
+              <a:defRPr sz="1800" kern="1200">
+                <a:solidFill>
+                  <a:schemeClr val="tx1"/>
+                </a:solidFill>
+                <a:latin typeface="+mn-lt"/>
+                <a:ea typeface="+mn-ea"/>
+                <a:cs typeface="+mn-cs"/>
+              </a:defRPr>
+            </a:lvl8pPr>
+            <a:lvl9pPr marL="3886200" indent="-228600" algn="l" defTabSz="914400" rtl="0" eaLnBrk="1" latinLnBrk="0" hangingPunct="1">
+              <a:lnSpc>
+                <a:spcPct val="90000"/>
+              </a:lnSpc>
+              <a:spcBef>
+                <a:spcPts val="500"/>
+              </a:spcBef>
+              <a:buFont typeface="Arial" panose="020B0604020202020204" pitchFamily="34" charset="0"/>
+              <a:buChar char="•"/>
+              <a:defRPr sz="1800" kern="1200">
+                <a:solidFill>
+                  <a:schemeClr val="tx1"/>
+                </a:solidFill>
+                <a:latin typeface="+mn-lt"/>
+                <a:ea typeface="+mn-ea"/>
+                <a:cs typeface="+mn-cs"/>
+              </a:defRPr>
+            </a:lvl9pPr>
+          </a:lstStyle>
+          <a:p>
+            <a:pPr marL="457200" indent="-457200">
+              <a:spcBef>
+                <a:spcPts val="700"/>
+              </a:spcBef>
+              <a:buClr>
+                <a:srgbClr val="0BD0D9"/>
+              </a:buClr>
+              <a:buSzPct val="95000"/>
+              <a:buFont typeface="+mj-lt"/>
+              <a:buAutoNum type="arabicParenR"/>
+            </a:pPr>
+            <a:r>
+              <a:rPr lang="fr-FR" sz="2500" dirty="0">
+                <a:latin typeface="Constantia" pitchFamily="18"/>
+              </a:rPr>
+              <a:t>Générer un graphe de flots de contrôle à partir du code.</a:t>
+            </a:r>
+          </a:p>
+          <a:p>
+            <a:pPr marL="457200" indent="-457200">
+              <a:spcBef>
+                <a:spcPts val="700"/>
+              </a:spcBef>
+              <a:buClr>
+                <a:srgbClr val="0BD0D9"/>
+              </a:buClr>
+              <a:buSzPct val="95000"/>
+              <a:buFont typeface="+mj-lt"/>
+              <a:buAutoNum type="arabicParenR"/>
+            </a:pPr>
+            <a:endParaRPr lang="fr-FR" sz="2500" dirty="0">
+              <a:latin typeface="Constantia" pitchFamily="18"/>
+            </a:endParaRPr>
+          </a:p>
+          <a:p>
+            <a:pPr marL="457200" indent="-457200">
+              <a:spcBef>
+                <a:spcPts val="700"/>
+              </a:spcBef>
+              <a:buClr>
+                <a:srgbClr val="0BD0D9"/>
+              </a:buClr>
+              <a:buSzPct val="95000"/>
+              <a:buFont typeface="+mj-lt"/>
+              <a:buAutoNum type="arabicParenR"/>
+            </a:pPr>
+            <a:r>
+              <a:rPr lang="fr-FR" sz="2500" dirty="0">
+                <a:latin typeface="Constantia" pitchFamily="18"/>
+              </a:rPr>
+              <a:t>Faire une couverture de toutes les décisions possibles.</a:t>
+            </a:r>
+          </a:p>
+          <a:p>
+            <a:pPr marL="457200" indent="-457200">
+              <a:spcBef>
+                <a:spcPts val="700"/>
+              </a:spcBef>
+              <a:buClr>
+                <a:srgbClr val="0BD0D9"/>
+              </a:buClr>
+              <a:buSzPct val="95000"/>
+              <a:buFont typeface="+mj-lt"/>
+              <a:buAutoNum type="arabicParenR"/>
+            </a:pPr>
+            <a:endParaRPr lang="fr-FR" sz="2500" dirty="0">
+              <a:latin typeface="Constantia" pitchFamily="18"/>
+            </a:endParaRPr>
+          </a:p>
+          <a:p>
+            <a:pPr marL="457200" indent="-457200">
+              <a:spcBef>
+                <a:spcPts val="700"/>
+              </a:spcBef>
+              <a:buClr>
+                <a:srgbClr val="0BD0D9"/>
+              </a:buClr>
+              <a:buSzPct val="95000"/>
+              <a:buFont typeface="+mj-lt"/>
+              <a:buAutoNum type="arabicParenR"/>
+            </a:pPr>
+            <a:r>
+              <a:rPr lang="fr-FR" sz="2500" dirty="0">
+                <a:latin typeface="Constantia" pitchFamily="18"/>
+              </a:rPr>
+              <a:t>Colorier en vert les blocs atteints et en rouge les blocs inatteignables.</a:t>
+            </a:r>
+          </a:p>
+          <a:p>
+            <a:pPr marL="457200" indent="-457200">
+              <a:spcBef>
+                <a:spcPts val="700"/>
+              </a:spcBef>
+              <a:buClr>
+                <a:srgbClr val="0BD0D9"/>
+              </a:buClr>
+              <a:buSzPct val="95000"/>
+              <a:buFont typeface="+mj-lt"/>
+              <a:buAutoNum type="arabicParenR"/>
+            </a:pPr>
+            <a:endParaRPr lang="fr-FR" sz="2500" dirty="0">
+              <a:latin typeface="Constantia" pitchFamily="18"/>
+            </a:endParaRPr>
+          </a:p>
+          <a:p>
+            <a:pPr marL="457200" indent="-457200">
+              <a:spcBef>
+                <a:spcPts val="700"/>
+              </a:spcBef>
+              <a:buClr>
+                <a:srgbClr val="0BD0D9"/>
+              </a:buClr>
+              <a:buSzPct val="95000"/>
+              <a:buFont typeface="+mj-lt"/>
+              <a:buAutoNum type="arabicParenR"/>
+            </a:pPr>
+            <a:r>
+              <a:rPr lang="fr-FR" sz="2500" dirty="0">
+                <a:latin typeface="Constantia" pitchFamily="18"/>
+              </a:rPr>
+              <a:t>Mettre en commentaire les parties du code qui sont inatteignables.</a:t>
+            </a:r>
+          </a:p>
+          <a:p>
+            <a:pPr marL="457200" indent="-457200">
+              <a:spcBef>
+                <a:spcPts val="700"/>
+              </a:spcBef>
+              <a:buClr>
+                <a:srgbClr val="0BD0D9"/>
+              </a:buClr>
+              <a:buSzPct val="95000"/>
+              <a:buFont typeface="+mj-lt"/>
+              <a:buAutoNum type="arabicParenR"/>
+            </a:pPr>
+            <a:endParaRPr lang="fr-FR" sz="2500" dirty="0">
+              <a:latin typeface="Constantia" pitchFamily="18"/>
+            </a:endParaRPr>
+          </a:p>
+          <a:p>
+            <a:pPr marL="302400" indent="-302400">
+              <a:spcBef>
+                <a:spcPts val="700"/>
+              </a:spcBef>
+              <a:buClr>
+                <a:srgbClr val="0BD0D9"/>
+              </a:buClr>
+              <a:buSzPct val="95000"/>
+              <a:buFont typeface="Wingdings 2"/>
+              <a:buChar char=""/>
+            </a:pPr>
+            <a:endParaRPr lang="fr-FR" sz="2500" dirty="0">
+              <a:latin typeface="Constantia" pitchFamily="18"/>
+            </a:endParaRPr>
+          </a:p>
+          <a:p>
+            <a:pPr marL="342900" indent="-342900">
+              <a:spcBef>
+                <a:spcPts val="700"/>
+              </a:spcBef>
+              <a:buClr>
+                <a:srgbClr val="0BD0D9"/>
+              </a:buClr>
+              <a:buSzPct val="95000"/>
+            </a:pPr>
+            <a:endParaRPr lang="fr-FR" sz="2900" dirty="0">
+              <a:latin typeface="Constantia" pitchFamily="18"/>
+            </a:endParaRPr>
+          </a:p>
+          <a:p>
+            <a:pPr marL="774900" lvl="1" indent="-342900">
+              <a:spcBef>
+                <a:spcPts val="700"/>
+              </a:spcBef>
+              <a:buClr>
+                <a:srgbClr val="0BD0D9"/>
+              </a:buClr>
+              <a:buSzPct val="95000"/>
+              <a:buFont typeface="Arial" panose="020B0604020202020204" pitchFamily="34" charset="0"/>
+              <a:buChar char="•"/>
+            </a:pPr>
+            <a:endParaRPr lang="fr-FR" sz="2500" dirty="0">
+              <a:latin typeface="Constantia" pitchFamily="18"/>
+            </a:endParaRPr>
+          </a:p>
+          <a:p>
+            <a:pPr marL="734400" lvl="1" indent="-302400">
+              <a:spcBef>
+                <a:spcPts val="700"/>
+              </a:spcBef>
+              <a:buClr>
+                <a:srgbClr val="0BD0D9"/>
+              </a:buClr>
+              <a:buSzPct val="95000"/>
+              <a:buFont typeface="Wingdings 2"/>
+              <a:buChar char=""/>
+            </a:pPr>
+            <a:endParaRPr lang="fr-FR" sz="2500" dirty="0">
+              <a:latin typeface="Constantia" pitchFamily="18"/>
+            </a:endParaRPr>
+          </a:p>
+        </p:txBody>
+      </p:sp>
+    </p:spTree>
+    <p:extLst>
+      <p:ext uri="{BB962C8B-B14F-4D97-AF65-F5344CB8AC3E}">
+        <p14:creationId xmlns:p14="http://schemas.microsoft.com/office/powerpoint/2010/main" val="1066153022"/>
+      </p:ext>
+    </p:extLst>
+  </p:cSld>
+  <p:clrMapOvr>
+    <a:masterClrMapping/>
+  </p:clrMapOvr>
+</p:sld>
+</file>
+
+<file path=ppt/slides/slide17.xml><?xml version="1.0" encoding="utf-8"?>
+<p:sld xmlns:a="http://schemas.openxmlformats.org/drawingml/2006/main" xmlns:r="http://schemas.openxmlformats.org/officeDocument/2006/relationships" xmlns:p="http://schemas.openxmlformats.org/presentationml/2006/main">
   <p:cSld name="Slide20">
     <p:spTree>
       <p:nvGrpSpPr>
@@ -14476,7 +15144,7 @@
             <a:pPr lvl="0"/>
             <a:fld id="{3E33ACB7-9E92-4C62-B22A-0F30A7594E5C}" type="slidenum">
               <a:rPr lang="fr-FR" smtClean="0"/>
-              <a:t>16</a:t>
+              <a:t>17</a:t>
             </a:fld>
             <a:endParaRPr lang="fr-FR"/>
           </a:p>
@@ -14490,7 +15158,7 @@
 </p:sld>
 </file>
 
-<file path=ppt/slides/slide17.xml><?xml version="1.0" encoding="utf-8"?>
+<file path=ppt/slides/slide18.xml><?xml version="1.0" encoding="utf-8"?>
 <p:sld xmlns:a="http://schemas.openxmlformats.org/drawingml/2006/main" xmlns:r="http://schemas.openxmlformats.org/officeDocument/2006/relationships" xmlns:p="http://schemas.openxmlformats.org/presentationml/2006/main">
   <p:cSld>
     <p:spTree>
@@ -14782,7 +15450,7 @@
             <a:pPr lvl="0"/>
             <a:fld id="{3E33ACB7-9E92-4C62-B22A-0F30A7594E5C}" type="slidenum">
               <a:rPr lang="fr-FR" smtClean="0"/>
-              <a:t>17</a:t>
+              <a:t>18</a:t>
             </a:fld>
             <a:endParaRPr lang="fr-FR"/>
           </a:p>
@@ -14801,7 +15469,7 @@
 </p:sld>
 </file>
 
-<file path=ppt/slides/slide18.xml><?xml version="1.0" encoding="utf-8"?>
+<file path=ppt/slides/slide19.xml><?xml version="1.0" encoding="utf-8"?>
 <p:sld xmlns:a="http://schemas.openxmlformats.org/drawingml/2006/main" xmlns:r="http://schemas.openxmlformats.org/officeDocument/2006/relationships" xmlns:p="http://schemas.openxmlformats.org/presentationml/2006/main">
   <p:cSld>
     <p:spTree>
@@ -15037,7 +15705,7 @@
             <a:pPr lvl="0"/>
             <a:fld id="{3E33ACB7-9E92-4C62-B22A-0F30A7594E5C}" type="slidenum">
               <a:rPr lang="fr-FR" smtClean="0"/>
-              <a:t>18</a:t>
+              <a:t>19</a:t>
             </a:fld>
             <a:endParaRPr lang="fr-FR"/>
           </a:p>
